--- a/Manual de proyecto.pptx
+++ b/Manual de proyecto.pptx
@@ -27,9 +27,18 @@
     <p:sldId id="274" r:id="rId21"/>
     <p:sldId id="275" r:id="rId22"/>
     <p:sldId id="284" r:id="rId23"/>
-    <p:sldId id="283" r:id="rId24"/>
-    <p:sldId id="276" r:id="rId25"/>
-    <p:sldId id="281" r:id="rId26"/>
+    <p:sldId id="276" r:id="rId24"/>
+    <p:sldId id="281" r:id="rId25"/>
+    <p:sldId id="283" r:id="rId26"/>
+    <p:sldId id="288" r:id="rId27"/>
+    <p:sldId id="289" r:id="rId28"/>
+    <p:sldId id="286" r:id="rId29"/>
+    <p:sldId id="290" r:id="rId30"/>
+    <p:sldId id="291" r:id="rId31"/>
+    <p:sldId id="294" r:id="rId32"/>
+    <p:sldId id="287" r:id="rId33"/>
+    <p:sldId id="292" r:id="rId34"/>
+    <p:sldId id="285" r:id="rId35"/>
   </p:sldIdLst>
   <p:sldSz cx="19199225" cy="10799763"/>
   <p:notesSz cx="6858000" cy="9144000"/>
@@ -128,6 +137,11 @@
       </a:defRPr>
     </a:lvl9pPr>
   </p:defaultTextStyle>
+  <p:extLst>
+    <p:ext uri="{EFAFB233-063F-42B5-8137-9DF3F51BA10A}">
+      <p15:sldGuideLst xmlns:p15="http://schemas.microsoft.com/office/powerpoint/2012/main"/>
+    </p:ext>
+  </p:extLst>
 </p:presentation>
 </file>
 
@@ -262,7 +276,7 @@
           <a:p>
             <a:fld id="{4B15532C-26BD-4162-8C08-080C66EB8317}" type="datetimeFigureOut">
               <a:rPr lang="en-US" smtClean="0"/>
-              <a:t>11/24/2019</a:t>
+              <a:t>11/28/2019</a:t>
             </a:fld>
             <a:endParaRPr lang="en-US"/>
           </a:p>
@@ -432,7 +446,7 @@
           <a:p>
             <a:fld id="{4B15532C-26BD-4162-8C08-080C66EB8317}" type="datetimeFigureOut">
               <a:rPr lang="en-US" smtClean="0"/>
-              <a:t>11/24/2019</a:t>
+              <a:t>11/28/2019</a:t>
             </a:fld>
             <a:endParaRPr lang="en-US"/>
           </a:p>
@@ -612,7 +626,7 @@
           <a:p>
             <a:fld id="{4B15532C-26BD-4162-8C08-080C66EB8317}" type="datetimeFigureOut">
               <a:rPr lang="en-US" smtClean="0"/>
-              <a:t>11/24/2019</a:t>
+              <a:t>11/28/2019</a:t>
             </a:fld>
             <a:endParaRPr lang="en-US"/>
           </a:p>
@@ -782,7 +796,7 @@
           <a:p>
             <a:fld id="{4B15532C-26BD-4162-8C08-080C66EB8317}" type="datetimeFigureOut">
               <a:rPr lang="en-US" smtClean="0"/>
-              <a:t>11/24/2019</a:t>
+              <a:t>11/28/2019</a:t>
             </a:fld>
             <a:endParaRPr lang="en-US"/>
           </a:p>
@@ -1028,7 +1042,7 @@
           <a:p>
             <a:fld id="{4B15532C-26BD-4162-8C08-080C66EB8317}" type="datetimeFigureOut">
               <a:rPr lang="en-US" smtClean="0"/>
-              <a:t>11/24/2019</a:t>
+              <a:t>11/28/2019</a:t>
             </a:fld>
             <a:endParaRPr lang="en-US"/>
           </a:p>
@@ -1260,7 +1274,7 @@
           <a:p>
             <a:fld id="{4B15532C-26BD-4162-8C08-080C66EB8317}" type="datetimeFigureOut">
               <a:rPr lang="en-US" smtClean="0"/>
-              <a:t>11/24/2019</a:t>
+              <a:t>11/28/2019</a:t>
             </a:fld>
             <a:endParaRPr lang="en-US"/>
           </a:p>
@@ -1627,7 +1641,7 @@
           <a:p>
             <a:fld id="{4B15532C-26BD-4162-8C08-080C66EB8317}" type="datetimeFigureOut">
               <a:rPr lang="en-US" smtClean="0"/>
-              <a:t>11/24/2019</a:t>
+              <a:t>11/28/2019</a:t>
             </a:fld>
             <a:endParaRPr lang="en-US"/>
           </a:p>
@@ -1745,7 +1759,7 @@
           <a:p>
             <a:fld id="{4B15532C-26BD-4162-8C08-080C66EB8317}" type="datetimeFigureOut">
               <a:rPr lang="en-US" smtClean="0"/>
-              <a:t>11/24/2019</a:t>
+              <a:t>11/28/2019</a:t>
             </a:fld>
             <a:endParaRPr lang="en-US"/>
           </a:p>
@@ -1840,7 +1854,7 @@
           <a:p>
             <a:fld id="{4B15532C-26BD-4162-8C08-080C66EB8317}" type="datetimeFigureOut">
               <a:rPr lang="en-US" smtClean="0"/>
-              <a:t>11/24/2019</a:t>
+              <a:t>11/28/2019</a:t>
             </a:fld>
             <a:endParaRPr lang="en-US"/>
           </a:p>
@@ -2117,7 +2131,7 @@
           <a:p>
             <a:fld id="{4B15532C-26BD-4162-8C08-080C66EB8317}" type="datetimeFigureOut">
               <a:rPr lang="en-US" smtClean="0"/>
-              <a:t>11/24/2019</a:t>
+              <a:t>11/28/2019</a:t>
             </a:fld>
             <a:endParaRPr lang="en-US"/>
           </a:p>
@@ -2374,7 +2388,7 @@
           <a:p>
             <a:fld id="{4B15532C-26BD-4162-8C08-080C66EB8317}" type="datetimeFigureOut">
               <a:rPr lang="en-US" smtClean="0"/>
-              <a:t>11/24/2019</a:t>
+              <a:t>11/28/2019</a:t>
             </a:fld>
             <a:endParaRPr lang="en-US"/>
           </a:p>
@@ -2587,7 +2601,7 @@
           <a:p>
             <a:fld id="{4B15532C-26BD-4162-8C08-080C66EB8317}" type="datetimeFigureOut">
               <a:rPr lang="en-US" smtClean="0"/>
-              <a:t>11/24/2019</a:t>
+              <a:t>11/28/2019</a:t>
             </a:fld>
             <a:endParaRPr lang="en-US"/>
           </a:p>
@@ -5261,40 +5275,270 @@
           <a:chExt cx="0" cy="0"/>
         </a:xfrm>
       </p:grpSpPr>
-      <p:sp>
-        <p:nvSpPr>
-          <p:cNvPr id="2" name="Title 1">
-            <a:extLst>
-              <a:ext uri="{FF2B5EF4-FFF2-40B4-BE49-F238E27FC236}">
-                <a16:creationId xmlns:a16="http://schemas.microsoft.com/office/drawing/2014/main" id="{5DC4FF75-B186-49FF-86C5-92AF3B092B79}"/>
-              </a:ext>
-            </a:extLst>
-          </p:cNvPr>
-          <p:cNvSpPr>
-            <a:spLocks noGrp="1"/>
-          </p:cNvSpPr>
-          <p:nvPr>
-            <p:ph type="title"/>
-          </p:nvPr>
-        </p:nvSpPr>
-        <p:spPr>
-          <a:xfrm>
-            <a:off x="1319946" y="4356153"/>
-            <a:ext cx="16559332" cy="2087455"/>
-          </a:xfrm>
-        </p:spPr>
-        <p:txBody>
-          <a:bodyPr/>
-          <a:lstStyle/>
-          <a:p>
-            <a:pPr algn="ctr"/>
-            <a:r>
-              <a:rPr lang="es-MX" dirty="0"/>
-              <a:t>Algoritmo de ordenamiento </a:t>
-            </a:r>
-            <a:r>
-              <a:rPr lang="es-MX" dirty="0" err="1"/>
+      <p:pic>
+        <p:nvPicPr>
+          <p:cNvPr id="3" name="Picture 2">
+            <a:extLst>
+              <a:ext uri="{FF2B5EF4-FFF2-40B4-BE49-F238E27FC236}">
+                <a16:creationId xmlns:a16="http://schemas.microsoft.com/office/drawing/2014/main" id="{14B48854-4496-4248-B0C9-B1B2D77E6646}"/>
+              </a:ext>
+            </a:extLst>
+          </p:cNvPr>
+          <p:cNvPicPr>
+            <a:picLocks noChangeAspect="1"/>
+          </p:cNvPicPr>
+          <p:nvPr/>
+        </p:nvPicPr>
+        <p:blipFill>
+          <a:blip r:embed="rId2">
+            <a:extLst>
+              <a:ext uri="{28A0092B-C50C-407E-A947-70E740481C1C}">
+                <a14:useLocalDpi xmlns:a14="http://schemas.microsoft.com/office/drawing/2010/main" val="0"/>
+              </a:ext>
+            </a:extLst>
+          </a:blip>
+          <a:stretch>
+            <a:fillRect/>
+          </a:stretch>
+        </p:blipFill>
+        <p:spPr>
+          <a:xfrm>
+            <a:off x="435427" y="214578"/>
+            <a:ext cx="4050831" cy="4671411"/>
+          </a:xfrm>
+          <a:prstGeom prst="rect">
+            <a:avLst/>
+          </a:prstGeom>
+        </p:spPr>
+      </p:pic>
+      <p:pic>
+        <p:nvPicPr>
+          <p:cNvPr id="5" name="Picture 4">
+            <a:extLst>
+              <a:ext uri="{FF2B5EF4-FFF2-40B4-BE49-F238E27FC236}">
+                <a16:creationId xmlns:a16="http://schemas.microsoft.com/office/drawing/2014/main" id="{656CE447-8990-4D6B-90DC-B2311FFD5234}"/>
+              </a:ext>
+            </a:extLst>
+          </p:cNvPr>
+          <p:cNvPicPr>
+            <a:picLocks noChangeAspect="1"/>
+          </p:cNvPicPr>
+          <p:nvPr/>
+        </p:nvPicPr>
+        <p:blipFill>
+          <a:blip r:embed="rId3">
+            <a:extLst>
+              <a:ext uri="{28A0092B-C50C-407E-A947-70E740481C1C}">
+                <a14:useLocalDpi xmlns:a14="http://schemas.microsoft.com/office/drawing/2010/main" val="0"/>
+              </a:ext>
+            </a:extLst>
+          </a:blip>
+          <a:stretch>
+            <a:fillRect/>
+          </a:stretch>
+        </p:blipFill>
+        <p:spPr>
+          <a:xfrm>
+            <a:off x="6965264" y="214578"/>
+            <a:ext cx="3768099" cy="4726091"/>
+          </a:xfrm>
+          <a:prstGeom prst="rect">
+            <a:avLst/>
+          </a:prstGeom>
+        </p:spPr>
+      </p:pic>
+      <p:pic>
+        <p:nvPicPr>
+          <p:cNvPr id="7" name="Picture 6">
+            <a:extLst>
+              <a:ext uri="{FF2B5EF4-FFF2-40B4-BE49-F238E27FC236}">
+                <a16:creationId xmlns:a16="http://schemas.microsoft.com/office/drawing/2014/main" id="{E70A8295-1997-4924-9C2D-E5387B3D2D57}"/>
+              </a:ext>
+            </a:extLst>
+          </p:cNvPr>
+          <p:cNvPicPr>
+            <a:picLocks noChangeAspect="1"/>
+          </p:cNvPicPr>
+          <p:nvPr/>
+        </p:nvPicPr>
+        <p:blipFill>
+          <a:blip r:embed="rId4">
+            <a:extLst>
+              <a:ext uri="{28A0092B-C50C-407E-A947-70E740481C1C}">
+                <a14:useLocalDpi xmlns:a14="http://schemas.microsoft.com/office/drawing/2010/main" val="0"/>
+              </a:ext>
+            </a:extLst>
+          </a:blip>
+          <a:stretch>
+            <a:fillRect/>
+          </a:stretch>
+        </p:blipFill>
+        <p:spPr>
+          <a:xfrm>
+            <a:off x="13986714" y="214578"/>
+            <a:ext cx="3768099" cy="4671411"/>
+          </a:xfrm>
+          <a:prstGeom prst="rect">
+            <a:avLst/>
+          </a:prstGeom>
+        </p:spPr>
+      </p:pic>
+      <p:sp>
+        <p:nvSpPr>
+          <p:cNvPr id="8" name="TextBox 7">
+            <a:extLst>
+              <a:ext uri="{FF2B5EF4-FFF2-40B4-BE49-F238E27FC236}">
+                <a16:creationId xmlns:a16="http://schemas.microsoft.com/office/drawing/2014/main" id="{3EA4FDC1-78AA-440E-8938-1645A818945B}"/>
+              </a:ext>
+            </a:extLst>
+          </p:cNvPr>
+          <p:cNvSpPr txBox="1"/>
+          <p:nvPr/>
+        </p:nvSpPr>
+        <p:spPr>
+          <a:xfrm>
+            <a:off x="5421084" y="7117814"/>
+            <a:ext cx="8881157" cy="1938992"/>
+          </a:xfrm>
+          <a:prstGeom prst="rect">
+            <a:avLst/>
+          </a:prstGeom>
+          <a:noFill/>
+        </p:spPr>
+        <p:txBody>
+          <a:bodyPr wrap="square" rtlCol="0">
+            <a:spAutoFit/>
+          </a:bodyPr>
+          <a:lstStyle/>
+          <a:p>
+            <a:r>
+              <a:rPr lang="es-MX" sz="2400" dirty="0"/>
+              <a:t>Se pueden ordenar las rutas por 3 atributos: fecha (más nuevo a más viejo), distancia (mayor a menor) y una segunda distancia (menor a mayor).</a:t>
+            </a:r>
+          </a:p>
+          <a:p>
+            <a:endParaRPr lang="es-MX" sz="2400" dirty="0"/>
+          </a:p>
+          <a:p>
+            <a:r>
+              <a:rPr lang="es-MX" sz="2400" dirty="0"/>
+              <a:t>El algoritmo de ordenamiento usado es </a:t>
+            </a:r>
+            <a:r>
+              <a:rPr lang="es-MX" sz="2400" dirty="0" err="1"/>
               <a:t>QuickSort</a:t>
+            </a:r>
+            <a:r>
+              <a:rPr lang="es-MX" sz="2400" dirty="0"/>
+              <a:t>.</a:t>
+            </a:r>
+            <a:endParaRPr lang="en-US" sz="2400" dirty="0"/>
+          </a:p>
+        </p:txBody>
+      </p:sp>
+      <p:sp>
+        <p:nvSpPr>
+          <p:cNvPr id="9" name="TextBox 8">
+            <a:extLst>
+              <a:ext uri="{FF2B5EF4-FFF2-40B4-BE49-F238E27FC236}">
+                <a16:creationId xmlns:a16="http://schemas.microsoft.com/office/drawing/2014/main" id="{C319FFFC-187F-4258-98C3-A7A92A707500}"/>
+              </a:ext>
+            </a:extLst>
+          </p:cNvPr>
+          <p:cNvSpPr txBox="1"/>
+          <p:nvPr/>
+        </p:nvSpPr>
+        <p:spPr>
+          <a:xfrm>
+            <a:off x="435427" y="4940669"/>
+            <a:ext cx="3768099" cy="646331"/>
+          </a:xfrm>
+          <a:prstGeom prst="rect">
+            <a:avLst/>
+          </a:prstGeom>
+          <a:noFill/>
+        </p:spPr>
+        <p:txBody>
+          <a:bodyPr wrap="square" rtlCol="0">
+            <a:spAutoFit/>
+          </a:bodyPr>
+          <a:lstStyle/>
+          <a:p>
+            <a:r>
+              <a:rPr lang="es-MX" dirty="0"/>
+              <a:t>Ordenamiento por fecha (más nuevo a más viejo)</a:t>
+            </a:r>
+            <a:endParaRPr lang="en-US" dirty="0"/>
+          </a:p>
+        </p:txBody>
+      </p:sp>
+      <p:sp>
+        <p:nvSpPr>
+          <p:cNvPr id="10" name="TextBox 9">
+            <a:extLst>
+              <a:ext uri="{FF2B5EF4-FFF2-40B4-BE49-F238E27FC236}">
+                <a16:creationId xmlns:a16="http://schemas.microsoft.com/office/drawing/2014/main" id="{34985A24-180B-4FAB-BA4E-F37DC0267785}"/>
+              </a:ext>
+            </a:extLst>
+          </p:cNvPr>
+          <p:cNvSpPr txBox="1"/>
+          <p:nvPr/>
+        </p:nvSpPr>
+        <p:spPr>
+          <a:xfrm>
+            <a:off x="6965263" y="4940669"/>
+            <a:ext cx="3768099" cy="646331"/>
+          </a:xfrm>
+          <a:prstGeom prst="rect">
+            <a:avLst/>
+          </a:prstGeom>
+          <a:noFill/>
+        </p:spPr>
+        <p:txBody>
+          <a:bodyPr wrap="square" rtlCol="0">
+            <a:spAutoFit/>
+          </a:bodyPr>
+          <a:lstStyle/>
+          <a:p>
+            <a:r>
+              <a:rPr lang="es-MX" dirty="0"/>
+              <a:t>Ordenamiento por distancia ( mayor a menor)</a:t>
+            </a:r>
+            <a:endParaRPr lang="en-US" dirty="0"/>
+          </a:p>
+        </p:txBody>
+      </p:sp>
+      <p:sp>
+        <p:nvSpPr>
+          <p:cNvPr id="11" name="TextBox 10">
+            <a:extLst>
+              <a:ext uri="{FF2B5EF4-FFF2-40B4-BE49-F238E27FC236}">
+                <a16:creationId xmlns:a16="http://schemas.microsoft.com/office/drawing/2014/main" id="{D3D4914E-01BA-47F8-A937-B99F660E722C}"/>
+              </a:ext>
+            </a:extLst>
+          </p:cNvPr>
+          <p:cNvSpPr txBox="1"/>
+          <p:nvPr/>
+        </p:nvSpPr>
+        <p:spPr>
+          <a:xfrm>
+            <a:off x="13986713" y="4940668"/>
+            <a:ext cx="3768099" cy="646331"/>
+          </a:xfrm>
+          <a:prstGeom prst="rect">
+            <a:avLst/>
+          </a:prstGeom>
+          <a:noFill/>
+        </p:spPr>
+        <p:txBody>
+          <a:bodyPr wrap="square" rtlCol="0">
+            <a:spAutoFit/>
+          </a:bodyPr>
+          <a:lstStyle/>
+          <a:p>
+            <a:r>
+              <a:rPr lang="es-MX" dirty="0"/>
+              <a:t>Ordenamiento por  distancia (menor a mayor)</a:t>
             </a:r>
             <a:endParaRPr lang="en-US" dirty="0"/>
           </a:p>
@@ -5303,7 +5547,7 @@
     </p:spTree>
     <p:extLst>
       <p:ext uri="{BB962C8B-B14F-4D97-AF65-F5344CB8AC3E}">
-        <p14:creationId xmlns:p14="http://schemas.microsoft.com/office/powerpoint/2010/main" val="1696974522"/>
+        <p14:creationId xmlns:p14="http://schemas.microsoft.com/office/powerpoint/2010/main" val="1005855418"/>
       </p:ext>
     </p:extLst>
   </p:cSld>
@@ -5330,270 +5574,67 @@
           <a:chExt cx="0" cy="0"/>
         </a:xfrm>
       </p:grpSpPr>
-      <p:pic>
-        <p:nvPicPr>
-          <p:cNvPr id="3" name="Picture 2">
-            <a:extLst>
-              <a:ext uri="{FF2B5EF4-FFF2-40B4-BE49-F238E27FC236}">
-                <a16:creationId xmlns:a16="http://schemas.microsoft.com/office/drawing/2014/main" id="{14B48854-4496-4248-B0C9-B1B2D77E6646}"/>
-              </a:ext>
-            </a:extLst>
-          </p:cNvPr>
-          <p:cNvPicPr>
-            <a:picLocks noChangeAspect="1"/>
-          </p:cNvPicPr>
-          <p:nvPr/>
-        </p:nvPicPr>
-        <p:blipFill>
-          <a:blip r:embed="rId2">
-            <a:extLst>
-              <a:ext uri="{28A0092B-C50C-407E-A947-70E740481C1C}">
-                <a14:useLocalDpi xmlns:a14="http://schemas.microsoft.com/office/drawing/2010/main" val="0"/>
-              </a:ext>
-            </a:extLst>
-          </a:blip>
-          <a:stretch>
-            <a:fillRect/>
-          </a:stretch>
-        </p:blipFill>
-        <p:spPr>
-          <a:xfrm>
-            <a:off x="435427" y="214578"/>
-            <a:ext cx="4050831" cy="4671411"/>
-          </a:xfrm>
-          <a:prstGeom prst="rect">
-            <a:avLst/>
-          </a:prstGeom>
-        </p:spPr>
-      </p:pic>
-      <p:pic>
-        <p:nvPicPr>
-          <p:cNvPr id="5" name="Picture 4">
-            <a:extLst>
-              <a:ext uri="{FF2B5EF4-FFF2-40B4-BE49-F238E27FC236}">
-                <a16:creationId xmlns:a16="http://schemas.microsoft.com/office/drawing/2014/main" id="{656CE447-8990-4D6B-90DC-B2311FFD5234}"/>
-              </a:ext>
-            </a:extLst>
-          </p:cNvPr>
-          <p:cNvPicPr>
-            <a:picLocks noChangeAspect="1"/>
-          </p:cNvPicPr>
-          <p:nvPr/>
-        </p:nvPicPr>
-        <p:blipFill>
-          <a:blip r:embed="rId3">
-            <a:extLst>
-              <a:ext uri="{28A0092B-C50C-407E-A947-70E740481C1C}">
-                <a14:useLocalDpi xmlns:a14="http://schemas.microsoft.com/office/drawing/2010/main" val="0"/>
-              </a:ext>
-            </a:extLst>
-          </a:blip>
-          <a:stretch>
-            <a:fillRect/>
-          </a:stretch>
-        </p:blipFill>
-        <p:spPr>
-          <a:xfrm>
-            <a:off x="6965264" y="214578"/>
-            <a:ext cx="3768099" cy="4726091"/>
-          </a:xfrm>
-          <a:prstGeom prst="rect">
-            <a:avLst/>
-          </a:prstGeom>
-        </p:spPr>
-      </p:pic>
-      <p:pic>
-        <p:nvPicPr>
-          <p:cNvPr id="7" name="Picture 6">
-            <a:extLst>
-              <a:ext uri="{FF2B5EF4-FFF2-40B4-BE49-F238E27FC236}">
-                <a16:creationId xmlns:a16="http://schemas.microsoft.com/office/drawing/2014/main" id="{E70A8295-1997-4924-9C2D-E5387B3D2D57}"/>
-              </a:ext>
-            </a:extLst>
-          </p:cNvPr>
-          <p:cNvPicPr>
-            <a:picLocks noChangeAspect="1"/>
-          </p:cNvPicPr>
-          <p:nvPr/>
-        </p:nvPicPr>
-        <p:blipFill>
-          <a:blip r:embed="rId4">
-            <a:extLst>
-              <a:ext uri="{28A0092B-C50C-407E-A947-70E740481C1C}">
-                <a14:useLocalDpi xmlns:a14="http://schemas.microsoft.com/office/drawing/2010/main" val="0"/>
-              </a:ext>
-            </a:extLst>
-          </a:blip>
-          <a:stretch>
-            <a:fillRect/>
-          </a:stretch>
-        </p:blipFill>
-        <p:spPr>
-          <a:xfrm>
-            <a:off x="13986714" y="214578"/>
-            <a:ext cx="3768099" cy="4671411"/>
-          </a:xfrm>
-          <a:prstGeom prst="rect">
-            <a:avLst/>
-          </a:prstGeom>
-        </p:spPr>
-      </p:pic>
-      <p:sp>
-        <p:nvSpPr>
-          <p:cNvPr id="8" name="TextBox 7">
-            <a:extLst>
-              <a:ext uri="{FF2B5EF4-FFF2-40B4-BE49-F238E27FC236}">
-                <a16:creationId xmlns:a16="http://schemas.microsoft.com/office/drawing/2014/main" id="{3EA4FDC1-78AA-440E-8938-1645A818945B}"/>
-              </a:ext>
-            </a:extLst>
-          </p:cNvPr>
-          <p:cNvSpPr txBox="1"/>
-          <p:nvPr/>
-        </p:nvSpPr>
-        <p:spPr>
-          <a:xfrm>
-            <a:off x="5421084" y="7117814"/>
-            <a:ext cx="8881157" cy="1938992"/>
-          </a:xfrm>
-          <a:prstGeom prst="rect">
-            <a:avLst/>
-          </a:prstGeom>
-          <a:noFill/>
-        </p:spPr>
-        <p:txBody>
-          <a:bodyPr wrap="square" rtlCol="0">
-            <a:spAutoFit/>
+      <p:sp>
+        <p:nvSpPr>
+          <p:cNvPr id="2" name="Title 1">
+            <a:extLst>
+              <a:ext uri="{FF2B5EF4-FFF2-40B4-BE49-F238E27FC236}">
+                <a16:creationId xmlns:a16="http://schemas.microsoft.com/office/drawing/2014/main" id="{2A8C7CD2-ADEB-42CC-A6A2-66191A14F5DC}"/>
+              </a:ext>
+            </a:extLst>
+          </p:cNvPr>
+          <p:cNvSpPr>
+            <a:spLocks noGrp="1"/>
+          </p:cNvSpPr>
+          <p:nvPr>
+            <p:ph type="title"/>
+          </p:nvPr>
+        </p:nvSpPr>
+        <p:spPr/>
+        <p:txBody>
+          <a:bodyPr/>
+          <a:lstStyle/>
+          <a:p>
+            <a:r>
+              <a:rPr lang="es-MX" dirty="0"/>
+              <a:t>Conclusión</a:t>
+            </a:r>
+            <a:endParaRPr lang="en-US" dirty="0"/>
+          </a:p>
+        </p:txBody>
+      </p:sp>
+      <p:sp>
+        <p:nvSpPr>
+          <p:cNvPr id="3" name="Content Placeholder 2">
+            <a:extLst>
+              <a:ext uri="{FF2B5EF4-FFF2-40B4-BE49-F238E27FC236}">
+                <a16:creationId xmlns:a16="http://schemas.microsoft.com/office/drawing/2014/main" id="{A4B1479E-D7A3-4440-911B-AA42C6D3C08E}"/>
+              </a:ext>
+            </a:extLst>
+          </p:cNvPr>
+          <p:cNvSpPr>
+            <a:spLocks noGrp="1"/>
+          </p:cNvSpPr>
+          <p:nvPr>
+            <p:ph idx="1"/>
+          </p:nvPr>
+        </p:nvSpPr>
+        <p:spPr/>
+        <p:txBody>
+          <a:bodyPr>
+            <a:normAutofit/>
           </a:bodyPr>
           <a:lstStyle/>
           <a:p>
             <a:r>
-              <a:rPr lang="es-MX" sz="2400" dirty="0"/>
-              <a:t>Se pueden ordenar las rutas por 3 atributos: fecha (más nuevo a más viejo), distancia (mayor a menor) y una segunda distancia (menor a mayor).</a:t>
-            </a:r>
-          </a:p>
-          <a:p>
-            <a:endParaRPr lang="es-MX" sz="2400" dirty="0"/>
-          </a:p>
-          <a:p>
-            <a:r>
-              <a:rPr lang="es-MX" sz="2400" dirty="0"/>
-              <a:t>El algoritmo de ordenamiento usado es </a:t>
-            </a:r>
-            <a:r>
-              <a:rPr lang="es-MX" sz="2400" dirty="0" err="1"/>
-              <a:t>QuickSort</a:t>
-            </a:r>
-            <a:r>
-              <a:rPr lang="es-MX" sz="2400" dirty="0"/>
-              <a:t>.</a:t>
-            </a:r>
-            <a:endParaRPr lang="en-US" sz="2400" dirty="0"/>
-          </a:p>
-        </p:txBody>
-      </p:sp>
-      <p:sp>
-        <p:nvSpPr>
-          <p:cNvPr id="9" name="TextBox 8">
-            <a:extLst>
-              <a:ext uri="{FF2B5EF4-FFF2-40B4-BE49-F238E27FC236}">
-                <a16:creationId xmlns:a16="http://schemas.microsoft.com/office/drawing/2014/main" id="{C319FFFC-187F-4258-98C3-A7A92A707500}"/>
-              </a:ext>
-            </a:extLst>
-          </p:cNvPr>
-          <p:cNvSpPr txBox="1"/>
-          <p:nvPr/>
-        </p:nvSpPr>
-        <p:spPr>
-          <a:xfrm>
-            <a:off x="435427" y="4940669"/>
-            <a:ext cx="3768099" cy="646331"/>
-          </a:xfrm>
-          <a:prstGeom prst="rect">
-            <a:avLst/>
-          </a:prstGeom>
-          <a:noFill/>
-        </p:spPr>
-        <p:txBody>
-          <a:bodyPr wrap="square" rtlCol="0">
-            <a:spAutoFit/>
-          </a:bodyPr>
-          <a:lstStyle/>
-          <a:p>
-            <a:r>
-              <a:rPr lang="es-MX" dirty="0"/>
-              <a:t>Ordenamiento por fecha (más nuevo a más viejo)</a:t>
-            </a:r>
-            <a:endParaRPr lang="en-US" dirty="0"/>
-          </a:p>
-        </p:txBody>
-      </p:sp>
-      <p:sp>
-        <p:nvSpPr>
-          <p:cNvPr id="10" name="TextBox 9">
-            <a:extLst>
-              <a:ext uri="{FF2B5EF4-FFF2-40B4-BE49-F238E27FC236}">
-                <a16:creationId xmlns:a16="http://schemas.microsoft.com/office/drawing/2014/main" id="{34985A24-180B-4FAB-BA4E-F37DC0267785}"/>
-              </a:ext>
-            </a:extLst>
-          </p:cNvPr>
-          <p:cNvSpPr txBox="1"/>
-          <p:nvPr/>
-        </p:nvSpPr>
-        <p:spPr>
-          <a:xfrm>
-            <a:off x="6965263" y="4940669"/>
-            <a:ext cx="3768099" cy="646331"/>
-          </a:xfrm>
-          <a:prstGeom prst="rect">
-            <a:avLst/>
-          </a:prstGeom>
-          <a:noFill/>
-        </p:spPr>
-        <p:txBody>
-          <a:bodyPr wrap="square" rtlCol="0">
-            <a:spAutoFit/>
-          </a:bodyPr>
-          <a:lstStyle/>
-          <a:p>
-            <a:r>
-              <a:rPr lang="es-MX" dirty="0"/>
-              <a:t>Ordenamiento por distancia ( mayor a menor)</a:t>
-            </a:r>
-            <a:endParaRPr lang="en-US" dirty="0"/>
-          </a:p>
-        </p:txBody>
-      </p:sp>
-      <p:sp>
-        <p:nvSpPr>
-          <p:cNvPr id="11" name="TextBox 10">
-            <a:extLst>
-              <a:ext uri="{FF2B5EF4-FFF2-40B4-BE49-F238E27FC236}">
-                <a16:creationId xmlns:a16="http://schemas.microsoft.com/office/drawing/2014/main" id="{D3D4914E-01BA-47F8-A937-B99F660E722C}"/>
-              </a:ext>
-            </a:extLst>
-          </p:cNvPr>
-          <p:cNvSpPr txBox="1"/>
-          <p:nvPr/>
-        </p:nvSpPr>
-        <p:spPr>
-          <a:xfrm>
-            <a:off x="13986713" y="4940668"/>
-            <a:ext cx="3768099" cy="646331"/>
-          </a:xfrm>
-          <a:prstGeom prst="rect">
-            <a:avLst/>
-          </a:prstGeom>
-          <a:noFill/>
-        </p:spPr>
-        <p:txBody>
-          <a:bodyPr wrap="square" rtlCol="0">
-            <a:spAutoFit/>
-          </a:bodyPr>
-          <a:lstStyle/>
-          <a:p>
-            <a:r>
-              <a:rPr lang="es-MX" dirty="0"/>
-              <a:t>Ordenamiento por  distancia (menor a mayor)</a:t>
+              <a:rPr lang="es-MX" dirty="0"/>
+              <a:t>No fue difícil aplicar Quicksort a la lista de rutas que se tienen, aunque nos equivocamos en las condiciones y al principio mostraba los datos al revés.</a:t>
+            </a:r>
+          </a:p>
+          <a:p>
+            <a:r>
+              <a:rPr lang="es-MX" dirty="0"/>
+              <a:t>Los cambios en el orden se hacen sobre una copia de la tabla original de la base de datos, ya que cambiar directamente la base de datos significaría mucho tiempo de cómputo y posibles errores al mover los datos de la tabla.</a:t>
             </a:r>
             <a:endParaRPr lang="en-US" dirty="0"/>
           </a:p>
@@ -5602,7 +5643,7 @@
     </p:spTree>
     <p:extLst>
       <p:ext uri="{BB962C8B-B14F-4D97-AF65-F5344CB8AC3E}">
-        <p14:creationId xmlns:p14="http://schemas.microsoft.com/office/powerpoint/2010/main" val="1005855418"/>
+        <p14:creationId xmlns:p14="http://schemas.microsoft.com/office/powerpoint/2010/main" val="3362474740"/>
       </p:ext>
     </p:extLst>
   </p:cSld>
@@ -5634,7 +5675,7 @@
           <p:cNvPr id="2" name="Title 1">
             <a:extLst>
               <a:ext uri="{FF2B5EF4-FFF2-40B4-BE49-F238E27FC236}">
-                <a16:creationId xmlns:a16="http://schemas.microsoft.com/office/drawing/2014/main" id="{2A8C7CD2-ADEB-42CC-A6A2-66191A14F5DC}"/>
+                <a16:creationId xmlns:a16="http://schemas.microsoft.com/office/drawing/2014/main" id="{5DC4FF75-B186-49FF-86C5-92AF3B092B79}"/>
               </a:ext>
             </a:extLst>
           </p:cNvPr>
@@ -5645,55 +5686,20 @@
             <p:ph type="title"/>
           </p:nvPr>
         </p:nvSpPr>
-        <p:spPr/>
+        <p:spPr>
+          <a:xfrm>
+            <a:off x="1319946" y="4356153"/>
+            <a:ext cx="16559332" cy="2087455"/>
+          </a:xfrm>
+        </p:spPr>
         <p:txBody>
           <a:bodyPr/>
           <a:lstStyle/>
           <a:p>
-            <a:r>
-              <a:rPr lang="es-MX" dirty="0"/>
-              <a:t>Conclusión</a:t>
-            </a:r>
-            <a:endParaRPr lang="en-US" dirty="0"/>
-          </a:p>
-        </p:txBody>
-      </p:sp>
-      <p:sp>
-        <p:nvSpPr>
-          <p:cNvPr id="3" name="Content Placeholder 2">
-            <a:extLst>
-              <a:ext uri="{FF2B5EF4-FFF2-40B4-BE49-F238E27FC236}">
-                <a16:creationId xmlns:a16="http://schemas.microsoft.com/office/drawing/2014/main" id="{A4B1479E-D7A3-4440-911B-AA42C6D3C08E}"/>
-              </a:ext>
-            </a:extLst>
-          </p:cNvPr>
-          <p:cNvSpPr>
-            <a:spLocks noGrp="1"/>
-          </p:cNvSpPr>
-          <p:nvPr>
-            <p:ph idx="1"/>
-          </p:nvPr>
-        </p:nvSpPr>
-        <p:spPr/>
-        <p:txBody>
-          <a:bodyPr>
-            <a:normAutofit/>
-          </a:bodyPr>
-          <a:lstStyle/>
-          <a:p>
-            <a:r>
-              <a:rPr lang="es-MX" dirty="0"/>
-              <a:t>No fue difícil aplicar Quicksort a la lista de rutas que se tienen, aunque nos equivocamos en las condiciones y al principio mostraba los datos al revés.</a:t>
-            </a:r>
-          </a:p>
-          <a:p>
-            <a:r>
-              <a:rPr lang="es-MX" dirty="0"/>
-              <a:t>Los cambios en el orden se hacen sobre una copia de la tabla original de la base de datos, ya que cambiar directamente la base de datos significaría mucho tiempo de cómputo y posibles errores al mover los datos de </a:t>
-            </a:r>
-            <a:r>
-              <a:rPr lang="es-MX"/>
-              <a:t>la tabla.</a:t>
+            <a:pPr algn="ctr"/>
+            <a:r>
+              <a:rPr lang="es-MX" dirty="0"/>
+              <a:t>Algoritmo de búsqueda binaria</a:t>
             </a:r>
             <a:endParaRPr lang="en-US" dirty="0"/>
           </a:p>
@@ -5702,7 +5708,757 @@
     </p:spTree>
     <p:extLst>
       <p:ext uri="{BB962C8B-B14F-4D97-AF65-F5344CB8AC3E}">
-        <p14:creationId xmlns:p14="http://schemas.microsoft.com/office/powerpoint/2010/main" val="3362474740"/>
+        <p14:creationId xmlns:p14="http://schemas.microsoft.com/office/powerpoint/2010/main" val="1696974522"/>
+      </p:ext>
+    </p:extLst>
+  </p:cSld>
+  <p:clrMapOvr>
+    <a:masterClrMapping/>
+  </p:clrMapOvr>
+</p:sld>
+</file>
+
+<file path=ppt/slides/slide26.xml><?xml version="1.0" encoding="utf-8"?>
+<p:sld xmlns:a="http://schemas.openxmlformats.org/drawingml/2006/main" xmlns:r="http://schemas.openxmlformats.org/officeDocument/2006/relationships" xmlns:p="http://schemas.openxmlformats.org/presentationml/2006/main">
+  <p:cSld>
+    <p:spTree>
+      <p:nvGrpSpPr>
+        <p:cNvPr id="1" name=""/>
+        <p:cNvGrpSpPr/>
+        <p:nvPr/>
+      </p:nvGrpSpPr>
+      <p:grpSpPr>
+        <a:xfrm>
+          <a:off x="0" y="0"/>
+          <a:ext cx="0" cy="0"/>
+          <a:chOff x="0" y="0"/>
+          <a:chExt cx="0" cy="0"/>
+        </a:xfrm>
+      </p:grpSpPr>
+      <p:sp>
+        <p:nvSpPr>
+          <p:cNvPr id="2" name="TextBox 1">
+            <a:extLst>
+              <a:ext uri="{FF2B5EF4-FFF2-40B4-BE49-F238E27FC236}">
+                <a16:creationId xmlns:a16="http://schemas.microsoft.com/office/drawing/2014/main" id="{568A64E2-66A9-4E47-9A76-6FE95B1B74BF}"/>
+              </a:ext>
+            </a:extLst>
+          </p:cNvPr>
+          <p:cNvSpPr txBox="1"/>
+          <p:nvPr/>
+        </p:nvSpPr>
+        <p:spPr>
+          <a:xfrm>
+            <a:off x="1458685" y="1197430"/>
+            <a:ext cx="16851085" cy="2677656"/>
+          </a:xfrm>
+          <a:prstGeom prst="rect">
+            <a:avLst/>
+          </a:prstGeom>
+          <a:noFill/>
+        </p:spPr>
+        <p:txBody>
+          <a:bodyPr wrap="square" rtlCol="0">
+            <a:spAutoFit/>
+          </a:bodyPr>
+          <a:lstStyle/>
+          <a:p>
+            <a:r>
+              <a:rPr lang="es-MX" sz="2800" dirty="0"/>
+              <a:t>La búsqueda binaria de rutas se hace por el nombre re ruta.</a:t>
+            </a:r>
+          </a:p>
+          <a:p>
+            <a:r>
+              <a:rPr lang="es-MX" sz="2800" dirty="0"/>
+              <a:t>Cada que se hace la búsqueda primero se ordenan las rutas por nombre en orden alfabético y después se realiza la búsqueda.</a:t>
+            </a:r>
+          </a:p>
+          <a:p>
+            <a:r>
+              <a:rPr lang="es-MX" sz="2800" dirty="0"/>
+              <a:t>Los datos que se usan para la búsqueda son una copia de los datos originales extraídos de la base de datos.</a:t>
+            </a:r>
+          </a:p>
+          <a:p>
+            <a:r>
+              <a:rPr lang="es-MX" sz="2800" dirty="0"/>
+              <a:t>Si se encuentra el resultado lo mostrará en la tabla de abajo.</a:t>
+            </a:r>
+            <a:r>
+              <a:rPr lang="en-US" sz="2800" dirty="0"/>
+              <a:t> Si no, </a:t>
+            </a:r>
+            <a:r>
+              <a:rPr lang="es-MX" sz="2800" dirty="0"/>
+              <a:t>correrá el algoritmo 5 veces más en caso de que se inserte un nuevo registro en ese tiempo.</a:t>
+            </a:r>
+          </a:p>
+        </p:txBody>
+      </p:sp>
+      <p:sp>
+        <p:nvSpPr>
+          <p:cNvPr id="3" name="TextBox 2">
+            <a:extLst>
+              <a:ext uri="{FF2B5EF4-FFF2-40B4-BE49-F238E27FC236}">
+                <a16:creationId xmlns:a16="http://schemas.microsoft.com/office/drawing/2014/main" id="{519B5268-9DAD-454A-9CE8-23A772F385D2}"/>
+              </a:ext>
+            </a:extLst>
+          </p:cNvPr>
+          <p:cNvSpPr txBox="1"/>
+          <p:nvPr/>
+        </p:nvSpPr>
+        <p:spPr>
+          <a:xfrm>
+            <a:off x="1458684" y="4463143"/>
+            <a:ext cx="5094515" cy="584775"/>
+          </a:xfrm>
+          <a:prstGeom prst="rect">
+            <a:avLst/>
+          </a:prstGeom>
+          <a:noFill/>
+        </p:spPr>
+        <p:txBody>
+          <a:bodyPr wrap="square" rtlCol="0">
+            <a:spAutoFit/>
+          </a:bodyPr>
+          <a:lstStyle/>
+          <a:p>
+            <a:r>
+              <a:rPr lang="es-MX" sz="3200" b="1" dirty="0"/>
+              <a:t>Ejemplo de ruta encontrada</a:t>
+            </a:r>
+            <a:endParaRPr lang="en-US" sz="3200" b="1" dirty="0"/>
+          </a:p>
+        </p:txBody>
+      </p:sp>
+      <p:pic>
+        <p:nvPicPr>
+          <p:cNvPr id="5" name="Picture 4">
+            <a:extLst>
+              <a:ext uri="{FF2B5EF4-FFF2-40B4-BE49-F238E27FC236}">
+                <a16:creationId xmlns:a16="http://schemas.microsoft.com/office/drawing/2014/main" id="{4DE0CCCA-10B0-4943-AABC-5019964350FF}"/>
+              </a:ext>
+            </a:extLst>
+          </p:cNvPr>
+          <p:cNvPicPr>
+            <a:picLocks noChangeAspect="1"/>
+          </p:cNvPicPr>
+          <p:nvPr/>
+        </p:nvPicPr>
+        <p:blipFill>
+          <a:blip r:embed="rId2">
+            <a:extLst>
+              <a:ext uri="{28A0092B-C50C-407E-A947-70E740481C1C}">
+                <a14:useLocalDpi xmlns:a14="http://schemas.microsoft.com/office/drawing/2010/main" val="0"/>
+              </a:ext>
+            </a:extLst>
+          </a:blip>
+          <a:stretch>
+            <a:fillRect/>
+          </a:stretch>
+        </p:blipFill>
+        <p:spPr>
+          <a:xfrm>
+            <a:off x="200974" y="5197035"/>
+            <a:ext cx="4144310" cy="2677656"/>
+          </a:xfrm>
+          <a:prstGeom prst="rect">
+            <a:avLst/>
+          </a:prstGeom>
+        </p:spPr>
+      </p:pic>
+      <p:pic>
+        <p:nvPicPr>
+          <p:cNvPr id="7" name="Picture 6">
+            <a:extLst>
+              <a:ext uri="{FF2B5EF4-FFF2-40B4-BE49-F238E27FC236}">
+                <a16:creationId xmlns:a16="http://schemas.microsoft.com/office/drawing/2014/main" id="{66F98B3A-7E23-466E-82BB-3E363A0E668B}"/>
+              </a:ext>
+            </a:extLst>
+          </p:cNvPr>
+          <p:cNvPicPr>
+            <a:picLocks noChangeAspect="1"/>
+          </p:cNvPicPr>
+          <p:nvPr/>
+        </p:nvPicPr>
+        <p:blipFill>
+          <a:blip r:embed="rId3">
+            <a:extLst>
+              <a:ext uri="{28A0092B-C50C-407E-A947-70E740481C1C}">
+                <a14:useLocalDpi xmlns:a14="http://schemas.microsoft.com/office/drawing/2010/main" val="0"/>
+              </a:ext>
+            </a:extLst>
+          </a:blip>
+          <a:stretch>
+            <a:fillRect/>
+          </a:stretch>
+        </p:blipFill>
+        <p:spPr>
+          <a:xfrm>
+            <a:off x="4345284" y="6369867"/>
+            <a:ext cx="3684327" cy="4296257"/>
+          </a:xfrm>
+          <a:prstGeom prst="rect">
+            <a:avLst/>
+          </a:prstGeom>
+        </p:spPr>
+      </p:pic>
+      <p:sp>
+        <p:nvSpPr>
+          <p:cNvPr id="8" name="TextBox 7">
+            <a:extLst>
+              <a:ext uri="{FF2B5EF4-FFF2-40B4-BE49-F238E27FC236}">
+                <a16:creationId xmlns:a16="http://schemas.microsoft.com/office/drawing/2014/main" id="{8158C072-8AF3-4E6D-AFE4-EE85DBD84286}"/>
+              </a:ext>
+            </a:extLst>
+          </p:cNvPr>
+          <p:cNvSpPr txBox="1"/>
+          <p:nvPr/>
+        </p:nvSpPr>
+        <p:spPr>
+          <a:xfrm>
+            <a:off x="10450275" y="4463142"/>
+            <a:ext cx="6008925" cy="584775"/>
+          </a:xfrm>
+          <a:prstGeom prst="rect">
+            <a:avLst/>
+          </a:prstGeom>
+          <a:noFill/>
+        </p:spPr>
+        <p:txBody>
+          <a:bodyPr wrap="square" rtlCol="0">
+            <a:spAutoFit/>
+          </a:bodyPr>
+          <a:lstStyle/>
+          <a:p>
+            <a:r>
+              <a:rPr lang="es-MX" sz="3200" b="1" dirty="0"/>
+              <a:t>Ejemplo de ruta no encontrada</a:t>
+            </a:r>
+            <a:endParaRPr lang="en-US" sz="3200" b="1" dirty="0"/>
+          </a:p>
+        </p:txBody>
+      </p:sp>
+      <p:pic>
+        <p:nvPicPr>
+          <p:cNvPr id="10" name="Picture 9">
+            <a:extLst>
+              <a:ext uri="{FF2B5EF4-FFF2-40B4-BE49-F238E27FC236}">
+                <a16:creationId xmlns:a16="http://schemas.microsoft.com/office/drawing/2014/main" id="{557F6EF2-52F9-4D98-89F8-1A931F95B7C7}"/>
+              </a:ext>
+            </a:extLst>
+          </p:cNvPr>
+          <p:cNvPicPr>
+            <a:picLocks noChangeAspect="1"/>
+          </p:cNvPicPr>
+          <p:nvPr/>
+        </p:nvPicPr>
+        <p:blipFill>
+          <a:blip r:embed="rId4">
+            <a:extLst>
+              <a:ext uri="{28A0092B-C50C-407E-A947-70E740481C1C}">
+                <a14:useLocalDpi xmlns:a14="http://schemas.microsoft.com/office/drawing/2010/main" val="0"/>
+              </a:ext>
+            </a:extLst>
+          </a:blip>
+          <a:stretch>
+            <a:fillRect/>
+          </a:stretch>
+        </p:blipFill>
+        <p:spPr>
+          <a:xfrm>
+            <a:off x="11223057" y="5269647"/>
+            <a:ext cx="2981741" cy="2676899"/>
+          </a:xfrm>
+          <a:prstGeom prst="rect">
+            <a:avLst/>
+          </a:prstGeom>
+        </p:spPr>
+      </p:pic>
+      <p:pic>
+        <p:nvPicPr>
+          <p:cNvPr id="12" name="Picture 11">
+            <a:extLst>
+              <a:ext uri="{FF2B5EF4-FFF2-40B4-BE49-F238E27FC236}">
+                <a16:creationId xmlns:a16="http://schemas.microsoft.com/office/drawing/2014/main" id="{7D6A8CEA-44AD-4F3F-A1AC-D09F005F6D53}"/>
+              </a:ext>
+            </a:extLst>
+          </p:cNvPr>
+          <p:cNvPicPr>
+            <a:picLocks noChangeAspect="1"/>
+          </p:cNvPicPr>
+          <p:nvPr/>
+        </p:nvPicPr>
+        <p:blipFill>
+          <a:blip r:embed="rId5">
+            <a:extLst>
+              <a:ext uri="{28A0092B-C50C-407E-A947-70E740481C1C}">
+                <a14:useLocalDpi xmlns:a14="http://schemas.microsoft.com/office/drawing/2010/main" val="0"/>
+              </a:ext>
+            </a:extLst>
+          </a:blip>
+          <a:stretch>
+            <a:fillRect/>
+          </a:stretch>
+        </p:blipFill>
+        <p:spPr>
+          <a:xfrm>
+            <a:off x="9217335" y="8171455"/>
+            <a:ext cx="3051756" cy="2356240"/>
+          </a:xfrm>
+          <a:prstGeom prst="rect">
+            <a:avLst/>
+          </a:prstGeom>
+        </p:spPr>
+      </p:pic>
+      <p:pic>
+        <p:nvPicPr>
+          <p:cNvPr id="14" name="Picture 13">
+            <a:extLst>
+              <a:ext uri="{FF2B5EF4-FFF2-40B4-BE49-F238E27FC236}">
+                <a16:creationId xmlns:a16="http://schemas.microsoft.com/office/drawing/2014/main" id="{3699ADF4-C11C-481A-8D09-2529517B08CE}"/>
+              </a:ext>
+            </a:extLst>
+          </p:cNvPr>
+          <p:cNvPicPr>
+            <a:picLocks noChangeAspect="1"/>
+          </p:cNvPicPr>
+          <p:nvPr/>
+        </p:nvPicPr>
+        <p:blipFill>
+          <a:blip r:embed="rId6">
+            <a:extLst>
+              <a:ext uri="{28A0092B-C50C-407E-A947-70E740481C1C}">
+                <a14:useLocalDpi xmlns:a14="http://schemas.microsoft.com/office/drawing/2010/main" val="0"/>
+              </a:ext>
+            </a:extLst>
+          </a:blip>
+          <a:stretch>
+            <a:fillRect/>
+          </a:stretch>
+        </p:blipFill>
+        <p:spPr>
+          <a:xfrm>
+            <a:off x="12620383" y="8174635"/>
+            <a:ext cx="3027412" cy="2353059"/>
+          </a:xfrm>
+          <a:prstGeom prst="rect">
+            <a:avLst/>
+          </a:prstGeom>
+        </p:spPr>
+      </p:pic>
+      <p:pic>
+        <p:nvPicPr>
+          <p:cNvPr id="16" name="Picture 15">
+            <a:extLst>
+              <a:ext uri="{FF2B5EF4-FFF2-40B4-BE49-F238E27FC236}">
+                <a16:creationId xmlns:a16="http://schemas.microsoft.com/office/drawing/2014/main" id="{72C4846F-01F5-4BD9-90E8-363D203E5500}"/>
+              </a:ext>
+            </a:extLst>
+          </p:cNvPr>
+          <p:cNvPicPr>
+            <a:picLocks noChangeAspect="1"/>
+          </p:cNvPicPr>
+          <p:nvPr/>
+        </p:nvPicPr>
+        <p:blipFill>
+          <a:blip r:embed="rId7">
+            <a:extLst>
+              <a:ext uri="{28A0092B-C50C-407E-A947-70E740481C1C}">
+                <a14:useLocalDpi xmlns:a14="http://schemas.microsoft.com/office/drawing/2010/main" val="0"/>
+              </a:ext>
+            </a:extLst>
+          </a:blip>
+          <a:stretch>
+            <a:fillRect/>
+          </a:stretch>
+        </p:blipFill>
+        <p:spPr>
+          <a:xfrm>
+            <a:off x="15986056" y="8171454"/>
+            <a:ext cx="3027412" cy="2356240"/>
+          </a:xfrm>
+          <a:prstGeom prst="rect">
+            <a:avLst/>
+          </a:prstGeom>
+        </p:spPr>
+      </p:pic>
+    </p:spTree>
+    <p:extLst>
+      <p:ext uri="{BB962C8B-B14F-4D97-AF65-F5344CB8AC3E}">
+        <p14:creationId xmlns:p14="http://schemas.microsoft.com/office/powerpoint/2010/main" val="2837685353"/>
+      </p:ext>
+    </p:extLst>
+  </p:cSld>
+  <p:clrMapOvr>
+    <a:masterClrMapping/>
+  </p:clrMapOvr>
+</p:sld>
+</file>
+
+<file path=ppt/slides/slide27.xml><?xml version="1.0" encoding="utf-8"?>
+<p:sld xmlns:a="http://schemas.openxmlformats.org/drawingml/2006/main" xmlns:r="http://schemas.openxmlformats.org/officeDocument/2006/relationships" xmlns:p="http://schemas.openxmlformats.org/presentationml/2006/main">
+  <p:cSld>
+    <p:spTree>
+      <p:nvGrpSpPr>
+        <p:cNvPr id="1" name=""/>
+        <p:cNvGrpSpPr/>
+        <p:nvPr/>
+      </p:nvGrpSpPr>
+      <p:grpSpPr>
+        <a:xfrm>
+          <a:off x="0" y="0"/>
+          <a:ext cx="0" cy="0"/>
+          <a:chOff x="0" y="0"/>
+          <a:chExt cx="0" cy="0"/>
+        </a:xfrm>
+      </p:grpSpPr>
+      <p:sp>
+        <p:nvSpPr>
+          <p:cNvPr id="3" name="Title 2">
+            <a:extLst>
+              <a:ext uri="{FF2B5EF4-FFF2-40B4-BE49-F238E27FC236}">
+                <a16:creationId xmlns:a16="http://schemas.microsoft.com/office/drawing/2014/main" id="{E169873F-6159-4970-83F5-BDBF3854C1BB}"/>
+              </a:ext>
+            </a:extLst>
+          </p:cNvPr>
+          <p:cNvSpPr>
+            <a:spLocks noGrp="1"/>
+          </p:cNvSpPr>
+          <p:nvPr>
+            <p:ph type="title"/>
+          </p:nvPr>
+        </p:nvSpPr>
+        <p:spPr/>
+        <p:txBody>
+          <a:bodyPr/>
+          <a:lstStyle/>
+          <a:p>
+            <a:r>
+              <a:rPr lang="es-MX" dirty="0"/>
+              <a:t>Conclusión</a:t>
+            </a:r>
+            <a:endParaRPr lang="en-US" dirty="0"/>
+          </a:p>
+        </p:txBody>
+      </p:sp>
+      <p:sp>
+        <p:nvSpPr>
+          <p:cNvPr id="4" name="Content Placeholder 3">
+            <a:extLst>
+              <a:ext uri="{FF2B5EF4-FFF2-40B4-BE49-F238E27FC236}">
+                <a16:creationId xmlns:a16="http://schemas.microsoft.com/office/drawing/2014/main" id="{198AA6E6-9A25-4E44-AAD5-F79568F29420}"/>
+              </a:ext>
+            </a:extLst>
+          </p:cNvPr>
+          <p:cNvSpPr>
+            <a:spLocks noGrp="1"/>
+          </p:cNvSpPr>
+          <p:nvPr>
+            <p:ph idx="1"/>
+          </p:nvPr>
+        </p:nvSpPr>
+        <p:spPr/>
+        <p:txBody>
+          <a:bodyPr/>
+          <a:lstStyle/>
+          <a:p>
+            <a:r>
+              <a:rPr lang="es-MX" dirty="0"/>
+              <a:t>Este algoritmo es bastante simple y eficiente, más so se recomienda si no puedes asegurar que los datos estén siempre ordenados o si hay elementos con los mismo valores en el campo sobre el que se hace la búsqueda.</a:t>
+            </a:r>
+            <a:endParaRPr lang="en-US" dirty="0"/>
+          </a:p>
+        </p:txBody>
+      </p:sp>
+    </p:spTree>
+    <p:extLst>
+      <p:ext uri="{BB962C8B-B14F-4D97-AF65-F5344CB8AC3E}">
+        <p14:creationId xmlns:p14="http://schemas.microsoft.com/office/powerpoint/2010/main" val="2038620924"/>
+      </p:ext>
+    </p:extLst>
+  </p:cSld>
+  <p:clrMapOvr>
+    <a:masterClrMapping/>
+  </p:clrMapOvr>
+</p:sld>
+</file>
+
+<file path=ppt/slides/slide28.xml><?xml version="1.0" encoding="utf-8"?>
+<p:sld xmlns:a="http://schemas.openxmlformats.org/drawingml/2006/main" xmlns:r="http://schemas.openxmlformats.org/officeDocument/2006/relationships" xmlns:p="http://schemas.openxmlformats.org/presentationml/2006/main">
+  <p:cSld>
+    <p:spTree>
+      <p:nvGrpSpPr>
+        <p:cNvPr id="1" name=""/>
+        <p:cNvGrpSpPr/>
+        <p:nvPr/>
+      </p:nvGrpSpPr>
+      <p:grpSpPr>
+        <a:xfrm>
+          <a:off x="0" y="0"/>
+          <a:ext cx="0" cy="0"/>
+          <a:chOff x="0" y="0"/>
+          <a:chExt cx="0" cy="0"/>
+        </a:xfrm>
+      </p:grpSpPr>
+      <p:sp>
+        <p:nvSpPr>
+          <p:cNvPr id="2" name="Title 1">
+            <a:extLst>
+              <a:ext uri="{FF2B5EF4-FFF2-40B4-BE49-F238E27FC236}">
+                <a16:creationId xmlns:a16="http://schemas.microsoft.com/office/drawing/2014/main" id="{5DC4FF75-B186-49FF-86C5-92AF3B092B79}"/>
+              </a:ext>
+            </a:extLst>
+          </p:cNvPr>
+          <p:cNvSpPr>
+            <a:spLocks noGrp="1"/>
+          </p:cNvSpPr>
+          <p:nvPr>
+            <p:ph type="title"/>
+          </p:nvPr>
+        </p:nvSpPr>
+        <p:spPr>
+          <a:xfrm>
+            <a:off x="1319946" y="4356153"/>
+            <a:ext cx="16559332" cy="2087455"/>
+          </a:xfrm>
+        </p:spPr>
+        <p:txBody>
+          <a:bodyPr/>
+          <a:lstStyle/>
+          <a:p>
+            <a:pPr algn="ctr"/>
+            <a:r>
+              <a:rPr lang="es-MX" dirty="0"/>
+              <a:t>Algoritmo de Kruskal</a:t>
+            </a:r>
+            <a:endParaRPr lang="en-US" dirty="0"/>
+          </a:p>
+        </p:txBody>
+      </p:sp>
+    </p:spTree>
+    <p:extLst>
+      <p:ext uri="{BB962C8B-B14F-4D97-AF65-F5344CB8AC3E}">
+        <p14:creationId xmlns:p14="http://schemas.microsoft.com/office/powerpoint/2010/main" val="1270660770"/>
+      </p:ext>
+    </p:extLst>
+  </p:cSld>
+  <p:clrMapOvr>
+    <a:masterClrMapping/>
+  </p:clrMapOvr>
+</p:sld>
+</file>
+
+<file path=ppt/slides/slide29.xml><?xml version="1.0" encoding="utf-8"?>
+<p:sld xmlns:a="http://schemas.openxmlformats.org/drawingml/2006/main" xmlns:r="http://schemas.openxmlformats.org/officeDocument/2006/relationships" xmlns:p="http://schemas.openxmlformats.org/presentationml/2006/main">
+  <p:cSld>
+    <p:spTree>
+      <p:nvGrpSpPr>
+        <p:cNvPr id="1" name=""/>
+        <p:cNvGrpSpPr/>
+        <p:nvPr/>
+      </p:nvGrpSpPr>
+      <p:grpSpPr>
+        <a:xfrm>
+          <a:off x="0" y="0"/>
+          <a:ext cx="0" cy="0"/>
+          <a:chOff x="0" y="0"/>
+          <a:chExt cx="0" cy="0"/>
+        </a:xfrm>
+      </p:grpSpPr>
+      <p:sp>
+        <p:nvSpPr>
+          <p:cNvPr id="2" name="TextBox 1">
+            <a:extLst>
+              <a:ext uri="{FF2B5EF4-FFF2-40B4-BE49-F238E27FC236}">
+                <a16:creationId xmlns:a16="http://schemas.microsoft.com/office/drawing/2014/main" id="{F4B1DF38-5D3A-409B-80B0-A0711E90D25B}"/>
+              </a:ext>
+            </a:extLst>
+          </p:cNvPr>
+          <p:cNvSpPr txBox="1"/>
+          <p:nvPr/>
+        </p:nvSpPr>
+        <p:spPr>
+          <a:xfrm>
+            <a:off x="587829" y="522514"/>
+            <a:ext cx="17852571" cy="954107"/>
+          </a:xfrm>
+          <a:prstGeom prst="rect">
+            <a:avLst/>
+          </a:prstGeom>
+          <a:noFill/>
+        </p:spPr>
+        <p:txBody>
+          <a:bodyPr wrap="square" rtlCol="0">
+            <a:spAutoFit/>
+          </a:bodyPr>
+          <a:lstStyle/>
+          <a:p>
+            <a:r>
+              <a:rPr lang="es-MX" sz="2800" dirty="0"/>
+              <a:t>El algoritmo de </a:t>
+            </a:r>
+            <a:r>
+              <a:rPr lang="es-MX" sz="2800" dirty="0" err="1"/>
+              <a:t>kruskal</a:t>
+            </a:r>
+            <a:r>
+              <a:rPr lang="es-MX" sz="2800" dirty="0"/>
+              <a:t> se hace tomando datos desde la base de datos, primero se ordenan con la siguiente comando ‘SELECT*FROM arista OREDER BY w  ASC’, este comando ordena las aristas de forma ascendente.</a:t>
+            </a:r>
+            <a:endParaRPr lang="en-US" sz="2800" dirty="0"/>
+          </a:p>
+        </p:txBody>
+      </p:sp>
+      <p:sp>
+        <p:nvSpPr>
+          <p:cNvPr id="3" name="TextBox 2">
+            <a:extLst>
+              <a:ext uri="{FF2B5EF4-FFF2-40B4-BE49-F238E27FC236}">
+                <a16:creationId xmlns:a16="http://schemas.microsoft.com/office/drawing/2014/main" id="{BDDCD55F-35B6-4AEC-A333-25023E9A8190}"/>
+              </a:ext>
+            </a:extLst>
+          </p:cNvPr>
+          <p:cNvSpPr txBox="1"/>
+          <p:nvPr/>
+        </p:nvSpPr>
+        <p:spPr>
+          <a:xfrm>
+            <a:off x="587829" y="1894114"/>
+            <a:ext cx="17852571" cy="523220"/>
+          </a:xfrm>
+          <a:prstGeom prst="rect">
+            <a:avLst/>
+          </a:prstGeom>
+          <a:noFill/>
+        </p:spPr>
+        <p:txBody>
+          <a:bodyPr wrap="square" rtlCol="0">
+            <a:spAutoFit/>
+          </a:bodyPr>
+          <a:lstStyle/>
+          <a:p>
+            <a:r>
+              <a:rPr lang="es-MX" sz="2800" dirty="0"/>
+              <a:t>Cuando termina el algoritmo muestra el grafo en el mapa con la distancia total del grafo.</a:t>
+            </a:r>
+            <a:endParaRPr lang="en-US" sz="2800" dirty="0"/>
+          </a:p>
+        </p:txBody>
+      </p:sp>
+      <p:pic>
+        <p:nvPicPr>
+          <p:cNvPr id="5" name="Picture 4">
+            <a:extLst>
+              <a:ext uri="{FF2B5EF4-FFF2-40B4-BE49-F238E27FC236}">
+                <a16:creationId xmlns:a16="http://schemas.microsoft.com/office/drawing/2014/main" id="{631DE136-47FD-47B8-B780-B5300F84B646}"/>
+              </a:ext>
+            </a:extLst>
+          </p:cNvPr>
+          <p:cNvPicPr>
+            <a:picLocks noChangeAspect="1"/>
+          </p:cNvPicPr>
+          <p:nvPr/>
+        </p:nvPicPr>
+        <p:blipFill>
+          <a:blip r:embed="rId2">
+            <a:extLst>
+              <a:ext uri="{28A0092B-C50C-407E-A947-70E740481C1C}">
+                <a14:useLocalDpi xmlns:a14="http://schemas.microsoft.com/office/drawing/2010/main" val="0"/>
+              </a:ext>
+            </a:extLst>
+          </a:blip>
+          <a:stretch>
+            <a:fillRect/>
+          </a:stretch>
+        </p:blipFill>
+        <p:spPr>
+          <a:xfrm>
+            <a:off x="13480172" y="1679407"/>
+            <a:ext cx="4888802" cy="1651622"/>
+          </a:xfrm>
+          <a:prstGeom prst="rect">
+            <a:avLst/>
+          </a:prstGeom>
+        </p:spPr>
+      </p:pic>
+      <p:pic>
+        <p:nvPicPr>
+          <p:cNvPr id="7" name="Picture 6">
+            <a:extLst>
+              <a:ext uri="{FF2B5EF4-FFF2-40B4-BE49-F238E27FC236}">
+                <a16:creationId xmlns:a16="http://schemas.microsoft.com/office/drawing/2014/main" id="{EF373BFA-4217-4A20-AAE1-CD93F2DF412C}"/>
+              </a:ext>
+            </a:extLst>
+          </p:cNvPr>
+          <p:cNvPicPr>
+            <a:picLocks noChangeAspect="1"/>
+          </p:cNvPicPr>
+          <p:nvPr/>
+        </p:nvPicPr>
+        <p:blipFill>
+          <a:blip r:embed="rId3">
+            <a:extLst>
+              <a:ext uri="{28A0092B-C50C-407E-A947-70E740481C1C}">
+                <a14:useLocalDpi xmlns:a14="http://schemas.microsoft.com/office/drawing/2010/main" val="0"/>
+              </a:ext>
+            </a:extLst>
+          </a:blip>
+          <a:stretch>
+            <a:fillRect/>
+          </a:stretch>
+        </p:blipFill>
+        <p:spPr>
+          <a:xfrm>
+            <a:off x="10553338" y="3486624"/>
+            <a:ext cx="6535062" cy="6354062"/>
+          </a:xfrm>
+          <a:prstGeom prst="rect">
+            <a:avLst/>
+          </a:prstGeom>
+        </p:spPr>
+      </p:pic>
+      <p:pic>
+        <p:nvPicPr>
+          <p:cNvPr id="9" name="Picture 8">
+            <a:extLst>
+              <a:ext uri="{FF2B5EF4-FFF2-40B4-BE49-F238E27FC236}">
+                <a16:creationId xmlns:a16="http://schemas.microsoft.com/office/drawing/2014/main" id="{7B5CADDA-E0B8-4EF3-8C33-F1CCE35ED93B}"/>
+              </a:ext>
+            </a:extLst>
+          </p:cNvPr>
+          <p:cNvPicPr>
+            <a:picLocks noChangeAspect="1"/>
+          </p:cNvPicPr>
+          <p:nvPr/>
+        </p:nvPicPr>
+        <p:blipFill>
+          <a:blip r:embed="rId4">
+            <a:extLst>
+              <a:ext uri="{28A0092B-C50C-407E-A947-70E740481C1C}">
+                <a14:useLocalDpi xmlns:a14="http://schemas.microsoft.com/office/drawing/2010/main" val="0"/>
+              </a:ext>
+            </a:extLst>
+          </a:blip>
+          <a:stretch>
+            <a:fillRect/>
+          </a:stretch>
+        </p:blipFill>
+        <p:spPr>
+          <a:xfrm>
+            <a:off x="665188" y="2708693"/>
+            <a:ext cx="9154803" cy="7131993"/>
+          </a:xfrm>
+          <a:prstGeom prst="rect">
+            <a:avLst/>
+          </a:prstGeom>
+        </p:spPr>
+      </p:pic>
+    </p:spTree>
+    <p:extLst>
+      <p:ext uri="{BB962C8B-B14F-4D97-AF65-F5344CB8AC3E}">
+        <p14:creationId xmlns:p14="http://schemas.microsoft.com/office/powerpoint/2010/main" val="1073187036"/>
       </p:ext>
     </p:extLst>
   </p:cSld>
@@ -5942,6 +6698,584 @@
     <p:extLst>
       <p:ext uri="{BB962C8B-B14F-4D97-AF65-F5344CB8AC3E}">
         <p14:creationId xmlns:p14="http://schemas.microsoft.com/office/powerpoint/2010/main" val="1279528868"/>
+      </p:ext>
+    </p:extLst>
+  </p:cSld>
+  <p:clrMapOvr>
+    <a:masterClrMapping/>
+  </p:clrMapOvr>
+</p:sld>
+</file>
+
+<file path=ppt/slides/slide30.xml><?xml version="1.0" encoding="utf-8"?>
+<p:sld xmlns:a="http://schemas.openxmlformats.org/drawingml/2006/main" xmlns:r="http://schemas.openxmlformats.org/officeDocument/2006/relationships" xmlns:p="http://schemas.openxmlformats.org/presentationml/2006/main">
+  <p:cSld>
+    <p:spTree>
+      <p:nvGrpSpPr>
+        <p:cNvPr id="1" name=""/>
+        <p:cNvGrpSpPr/>
+        <p:nvPr/>
+      </p:nvGrpSpPr>
+      <p:grpSpPr>
+        <a:xfrm>
+          <a:off x="0" y="0"/>
+          <a:ext cx="0" cy="0"/>
+          <a:chOff x="0" y="0"/>
+          <a:chExt cx="0" cy="0"/>
+        </a:xfrm>
+      </p:grpSpPr>
+      <p:pic>
+        <p:nvPicPr>
+          <p:cNvPr id="2" name="Picture 1">
+            <a:extLst>
+              <a:ext uri="{FF2B5EF4-FFF2-40B4-BE49-F238E27FC236}">
+                <a16:creationId xmlns:a16="http://schemas.microsoft.com/office/drawing/2014/main" id="{728EA99B-9D79-47E6-A5C1-5AE4C11198FA}"/>
+              </a:ext>
+            </a:extLst>
+          </p:cNvPr>
+          <p:cNvPicPr>
+            <a:picLocks noChangeAspect="1"/>
+          </p:cNvPicPr>
+          <p:nvPr/>
+        </p:nvPicPr>
+        <p:blipFill>
+          <a:blip r:embed="rId2">
+            <a:extLst>
+              <a:ext uri="{28A0092B-C50C-407E-A947-70E740481C1C}">
+                <a14:useLocalDpi xmlns:a14="http://schemas.microsoft.com/office/drawing/2010/main" val="0"/>
+              </a:ext>
+            </a:extLst>
+          </a:blip>
+          <a:stretch>
+            <a:fillRect/>
+          </a:stretch>
+        </p:blipFill>
+        <p:spPr>
+          <a:xfrm>
+            <a:off x="443421" y="407598"/>
+            <a:ext cx="5623761" cy="2030802"/>
+          </a:xfrm>
+          <a:prstGeom prst="rect">
+            <a:avLst/>
+          </a:prstGeom>
+        </p:spPr>
+      </p:pic>
+      <p:pic>
+        <p:nvPicPr>
+          <p:cNvPr id="3" name="Picture 2">
+            <a:extLst>
+              <a:ext uri="{FF2B5EF4-FFF2-40B4-BE49-F238E27FC236}">
+                <a16:creationId xmlns:a16="http://schemas.microsoft.com/office/drawing/2014/main" id="{8DB5DD6F-D081-4330-96FB-1445BA8B4897}"/>
+              </a:ext>
+            </a:extLst>
+          </p:cNvPr>
+          <p:cNvPicPr>
+            <a:picLocks noChangeAspect="1"/>
+          </p:cNvPicPr>
+          <p:nvPr/>
+        </p:nvPicPr>
+        <p:blipFill>
+          <a:blip r:embed="rId3">
+            <a:extLst>
+              <a:ext uri="{28A0092B-C50C-407E-A947-70E740481C1C}">
+                <a14:useLocalDpi xmlns:a14="http://schemas.microsoft.com/office/drawing/2010/main" val="0"/>
+              </a:ext>
+            </a:extLst>
+          </a:blip>
+          <a:stretch>
+            <a:fillRect/>
+          </a:stretch>
+        </p:blipFill>
+        <p:spPr>
+          <a:xfrm>
+            <a:off x="443421" y="2547824"/>
+            <a:ext cx="8286922" cy="7292862"/>
+          </a:xfrm>
+          <a:prstGeom prst="rect">
+            <a:avLst/>
+          </a:prstGeom>
+        </p:spPr>
+      </p:pic>
+      <p:pic>
+        <p:nvPicPr>
+          <p:cNvPr id="4" name="Picture 3">
+            <a:extLst>
+              <a:ext uri="{FF2B5EF4-FFF2-40B4-BE49-F238E27FC236}">
+                <a16:creationId xmlns:a16="http://schemas.microsoft.com/office/drawing/2014/main" id="{D6EC4F36-54EB-4B14-8BB0-399C2F97AE58}"/>
+              </a:ext>
+            </a:extLst>
+          </p:cNvPr>
+          <p:cNvPicPr>
+            <a:picLocks noChangeAspect="1"/>
+          </p:cNvPicPr>
+          <p:nvPr/>
+        </p:nvPicPr>
+        <p:blipFill>
+          <a:blip r:embed="rId4">
+            <a:extLst>
+              <a:ext uri="{28A0092B-C50C-407E-A947-70E740481C1C}">
+                <a14:useLocalDpi xmlns:a14="http://schemas.microsoft.com/office/drawing/2010/main" val="0"/>
+              </a:ext>
+            </a:extLst>
+          </a:blip>
+          <a:stretch>
+            <a:fillRect/>
+          </a:stretch>
+        </p:blipFill>
+        <p:spPr>
+          <a:xfrm>
+            <a:off x="9128441" y="1066529"/>
+            <a:ext cx="9288171" cy="8012157"/>
+          </a:xfrm>
+          <a:prstGeom prst="rect">
+            <a:avLst/>
+          </a:prstGeom>
+        </p:spPr>
+      </p:pic>
+    </p:spTree>
+    <p:extLst>
+      <p:ext uri="{BB962C8B-B14F-4D97-AF65-F5344CB8AC3E}">
+        <p14:creationId xmlns:p14="http://schemas.microsoft.com/office/powerpoint/2010/main" val="1287677902"/>
+      </p:ext>
+    </p:extLst>
+  </p:cSld>
+  <p:clrMapOvr>
+    <a:masterClrMapping/>
+  </p:clrMapOvr>
+</p:sld>
+</file>
+
+<file path=ppt/slides/slide31.xml><?xml version="1.0" encoding="utf-8"?>
+<p:sld xmlns:a="http://schemas.openxmlformats.org/drawingml/2006/main" xmlns:r="http://schemas.openxmlformats.org/officeDocument/2006/relationships" xmlns:p="http://schemas.openxmlformats.org/presentationml/2006/main">
+  <p:cSld>
+    <p:spTree>
+      <p:nvGrpSpPr>
+        <p:cNvPr id="1" name=""/>
+        <p:cNvGrpSpPr/>
+        <p:nvPr/>
+      </p:nvGrpSpPr>
+      <p:grpSpPr>
+        <a:xfrm>
+          <a:off x="0" y="0"/>
+          <a:ext cx="0" cy="0"/>
+          <a:chOff x="0" y="0"/>
+          <a:chExt cx="0" cy="0"/>
+        </a:xfrm>
+      </p:grpSpPr>
+      <p:sp>
+        <p:nvSpPr>
+          <p:cNvPr id="2" name="Title 1">
+            <a:extLst>
+              <a:ext uri="{FF2B5EF4-FFF2-40B4-BE49-F238E27FC236}">
+                <a16:creationId xmlns:a16="http://schemas.microsoft.com/office/drawing/2014/main" id="{AEC303EC-2083-448B-A9FE-046677D66F50}"/>
+              </a:ext>
+            </a:extLst>
+          </p:cNvPr>
+          <p:cNvSpPr>
+            <a:spLocks noGrp="1"/>
+          </p:cNvSpPr>
+          <p:nvPr>
+            <p:ph type="title"/>
+          </p:nvPr>
+        </p:nvSpPr>
+        <p:spPr/>
+        <p:txBody>
+          <a:bodyPr/>
+          <a:lstStyle/>
+          <a:p>
+            <a:r>
+              <a:rPr lang="es-MX" dirty="0"/>
+              <a:t>Conclusión </a:t>
+            </a:r>
+            <a:endParaRPr lang="en-US" dirty="0"/>
+          </a:p>
+        </p:txBody>
+      </p:sp>
+      <p:sp>
+        <p:nvSpPr>
+          <p:cNvPr id="3" name="Content Placeholder 2">
+            <a:extLst>
+              <a:ext uri="{FF2B5EF4-FFF2-40B4-BE49-F238E27FC236}">
+                <a16:creationId xmlns:a16="http://schemas.microsoft.com/office/drawing/2014/main" id="{FA05CF6A-5554-49F4-A0F5-392E7F59A892}"/>
+              </a:ext>
+            </a:extLst>
+          </p:cNvPr>
+          <p:cNvSpPr>
+            <a:spLocks noGrp="1"/>
+          </p:cNvSpPr>
+          <p:nvPr>
+            <p:ph idx="1"/>
+          </p:nvPr>
+        </p:nvSpPr>
+        <p:spPr/>
+        <p:txBody>
+          <a:bodyPr/>
+          <a:lstStyle/>
+          <a:p>
+            <a:r>
+              <a:rPr lang="es-MX" dirty="0"/>
+              <a:t>Este algoritmo es confiable para generar u árbol de recubrimiento mínimo, es sencillo de programar y rápido en ejecutar.</a:t>
+            </a:r>
+          </a:p>
+          <a:p>
+            <a:r>
+              <a:rPr lang="es-MX" dirty="0"/>
+              <a:t>Tuvimos problemas con esta sección ya que al principio generaba un bosque de árboles no conectados, revisando línea por línea descubrimos que omitimos la unión de los árboles y por es se veía puras líneas entre 2 estaciones sin conectarse a las demás.</a:t>
+            </a:r>
+            <a:endParaRPr lang="en-US" dirty="0"/>
+          </a:p>
+        </p:txBody>
+      </p:sp>
+    </p:spTree>
+    <p:extLst>
+      <p:ext uri="{BB962C8B-B14F-4D97-AF65-F5344CB8AC3E}">
+        <p14:creationId xmlns:p14="http://schemas.microsoft.com/office/powerpoint/2010/main" val="3508708235"/>
+      </p:ext>
+    </p:extLst>
+  </p:cSld>
+  <p:clrMapOvr>
+    <a:masterClrMapping/>
+  </p:clrMapOvr>
+</p:sld>
+</file>
+
+<file path=ppt/slides/slide32.xml><?xml version="1.0" encoding="utf-8"?>
+<p:sld xmlns:a="http://schemas.openxmlformats.org/drawingml/2006/main" xmlns:r="http://schemas.openxmlformats.org/officeDocument/2006/relationships" xmlns:p="http://schemas.openxmlformats.org/presentationml/2006/main">
+  <p:cSld>
+    <p:spTree>
+      <p:nvGrpSpPr>
+        <p:cNvPr id="1" name=""/>
+        <p:cNvGrpSpPr/>
+        <p:nvPr/>
+      </p:nvGrpSpPr>
+      <p:grpSpPr>
+        <a:xfrm>
+          <a:off x="0" y="0"/>
+          <a:ext cx="0" cy="0"/>
+          <a:chOff x="0" y="0"/>
+          <a:chExt cx="0" cy="0"/>
+        </a:xfrm>
+      </p:grpSpPr>
+      <p:sp>
+        <p:nvSpPr>
+          <p:cNvPr id="2" name="Title 1">
+            <a:extLst>
+              <a:ext uri="{FF2B5EF4-FFF2-40B4-BE49-F238E27FC236}">
+                <a16:creationId xmlns:a16="http://schemas.microsoft.com/office/drawing/2014/main" id="{5DC4FF75-B186-49FF-86C5-92AF3B092B79}"/>
+              </a:ext>
+            </a:extLst>
+          </p:cNvPr>
+          <p:cNvSpPr>
+            <a:spLocks noGrp="1"/>
+          </p:cNvSpPr>
+          <p:nvPr>
+            <p:ph type="title"/>
+          </p:nvPr>
+        </p:nvSpPr>
+        <p:spPr>
+          <a:xfrm>
+            <a:off x="1319946" y="4356153"/>
+            <a:ext cx="16559332" cy="2087455"/>
+          </a:xfrm>
+        </p:spPr>
+        <p:txBody>
+          <a:bodyPr/>
+          <a:lstStyle/>
+          <a:p>
+            <a:pPr algn="ctr"/>
+            <a:r>
+              <a:rPr lang="es-MX" dirty="0"/>
+              <a:t>Algoritmo de Dijkstra</a:t>
+            </a:r>
+            <a:endParaRPr lang="en-US" dirty="0"/>
+          </a:p>
+        </p:txBody>
+      </p:sp>
+    </p:spTree>
+    <p:extLst>
+      <p:ext uri="{BB962C8B-B14F-4D97-AF65-F5344CB8AC3E}">
+        <p14:creationId xmlns:p14="http://schemas.microsoft.com/office/powerpoint/2010/main" val="2468696612"/>
+      </p:ext>
+    </p:extLst>
+  </p:cSld>
+  <p:clrMapOvr>
+    <a:masterClrMapping/>
+  </p:clrMapOvr>
+</p:sld>
+</file>
+
+<file path=ppt/slides/slide33.xml><?xml version="1.0" encoding="utf-8"?>
+<p:sld xmlns:a="http://schemas.openxmlformats.org/drawingml/2006/main" xmlns:r="http://schemas.openxmlformats.org/officeDocument/2006/relationships" xmlns:p="http://schemas.openxmlformats.org/presentationml/2006/main">
+  <p:cSld>
+    <p:spTree>
+      <p:nvGrpSpPr>
+        <p:cNvPr id="1" name=""/>
+        <p:cNvGrpSpPr/>
+        <p:nvPr/>
+      </p:nvGrpSpPr>
+      <p:grpSpPr>
+        <a:xfrm>
+          <a:off x="0" y="0"/>
+          <a:ext cx="0" cy="0"/>
+          <a:chOff x="0" y="0"/>
+          <a:chExt cx="0" cy="0"/>
+        </a:xfrm>
+      </p:grpSpPr>
+      <p:sp>
+        <p:nvSpPr>
+          <p:cNvPr id="2" name="TextBox 1">
+            <a:extLst>
+              <a:ext uri="{FF2B5EF4-FFF2-40B4-BE49-F238E27FC236}">
+                <a16:creationId xmlns:a16="http://schemas.microsoft.com/office/drawing/2014/main" id="{21699BF3-63F8-4CAF-9954-B2A818E73137}"/>
+              </a:ext>
+            </a:extLst>
+          </p:cNvPr>
+          <p:cNvSpPr txBox="1"/>
+          <p:nvPr/>
+        </p:nvSpPr>
+        <p:spPr>
+          <a:xfrm>
+            <a:off x="631370" y="500743"/>
+            <a:ext cx="8665029" cy="1384995"/>
+          </a:xfrm>
+          <a:prstGeom prst="rect">
+            <a:avLst/>
+          </a:prstGeom>
+          <a:noFill/>
+        </p:spPr>
+        <p:txBody>
+          <a:bodyPr wrap="square" rtlCol="0">
+            <a:spAutoFit/>
+          </a:bodyPr>
+          <a:lstStyle/>
+          <a:p>
+            <a:r>
+              <a:rPr lang="es-MX" sz="2800" dirty="0"/>
+              <a:t>El algoritmo de Dijkstra al terminar muestra en la tabla la distancia mínima que recorrió para llegar a cada nodo del grafo desde x nodo.</a:t>
+            </a:r>
+            <a:endParaRPr lang="en-US" sz="2800" dirty="0"/>
+          </a:p>
+        </p:txBody>
+      </p:sp>
+      <p:pic>
+        <p:nvPicPr>
+          <p:cNvPr id="4" name="Picture 3">
+            <a:extLst>
+              <a:ext uri="{FF2B5EF4-FFF2-40B4-BE49-F238E27FC236}">
+                <a16:creationId xmlns:a16="http://schemas.microsoft.com/office/drawing/2014/main" id="{454B1577-BC37-4682-883E-F41D74CB0C92}"/>
+              </a:ext>
+            </a:extLst>
+          </p:cNvPr>
+          <p:cNvPicPr>
+            <a:picLocks noChangeAspect="1"/>
+          </p:cNvPicPr>
+          <p:nvPr/>
+        </p:nvPicPr>
+        <p:blipFill>
+          <a:blip r:embed="rId2">
+            <a:extLst>
+              <a:ext uri="{28A0092B-C50C-407E-A947-70E740481C1C}">
+                <a14:useLocalDpi xmlns:a14="http://schemas.microsoft.com/office/drawing/2010/main" val="0"/>
+              </a:ext>
+            </a:extLst>
+          </a:blip>
+          <a:stretch>
+            <a:fillRect/>
+          </a:stretch>
+        </p:blipFill>
+        <p:spPr>
+          <a:xfrm>
+            <a:off x="631370" y="2634909"/>
+            <a:ext cx="4427767" cy="5086569"/>
+          </a:xfrm>
+          <a:prstGeom prst="rect">
+            <a:avLst/>
+          </a:prstGeom>
+        </p:spPr>
+      </p:pic>
+      <p:pic>
+        <p:nvPicPr>
+          <p:cNvPr id="6" name="Picture 5">
+            <a:extLst>
+              <a:ext uri="{FF2B5EF4-FFF2-40B4-BE49-F238E27FC236}">
+                <a16:creationId xmlns:a16="http://schemas.microsoft.com/office/drawing/2014/main" id="{9F852D87-7C35-4C5E-B79A-81676C9E675A}"/>
+              </a:ext>
+            </a:extLst>
+          </p:cNvPr>
+          <p:cNvPicPr>
+            <a:picLocks noChangeAspect="1"/>
+          </p:cNvPicPr>
+          <p:nvPr/>
+        </p:nvPicPr>
+        <p:blipFill>
+          <a:blip r:embed="rId3">
+            <a:extLst>
+              <a:ext uri="{28A0092B-C50C-407E-A947-70E740481C1C}">
+                <a14:useLocalDpi xmlns:a14="http://schemas.microsoft.com/office/drawing/2010/main" val="0"/>
+              </a:ext>
+            </a:extLst>
+          </a:blip>
+          <a:stretch>
+            <a:fillRect/>
+          </a:stretch>
+        </p:blipFill>
+        <p:spPr>
+          <a:xfrm>
+            <a:off x="5927086" y="2184544"/>
+            <a:ext cx="5263427" cy="5980308"/>
+          </a:xfrm>
+          <a:prstGeom prst="rect">
+            <a:avLst/>
+          </a:prstGeom>
+        </p:spPr>
+      </p:pic>
+      <p:pic>
+        <p:nvPicPr>
+          <p:cNvPr id="8" name="Picture 7">
+            <a:extLst>
+              <a:ext uri="{FF2B5EF4-FFF2-40B4-BE49-F238E27FC236}">
+                <a16:creationId xmlns:a16="http://schemas.microsoft.com/office/drawing/2014/main" id="{6B4FBBB2-60BD-4FBA-85EC-A56EF5890299}"/>
+              </a:ext>
+            </a:extLst>
+          </p:cNvPr>
+          <p:cNvPicPr>
+            <a:picLocks noChangeAspect="1"/>
+          </p:cNvPicPr>
+          <p:nvPr/>
+        </p:nvPicPr>
+        <p:blipFill>
+          <a:blip r:embed="rId4">
+            <a:extLst>
+              <a:ext uri="{28A0092B-C50C-407E-A947-70E740481C1C}">
+                <a14:useLocalDpi xmlns:a14="http://schemas.microsoft.com/office/drawing/2010/main" val="0"/>
+              </a:ext>
+            </a:extLst>
+          </a:blip>
+          <a:stretch>
+            <a:fillRect/>
+          </a:stretch>
+        </p:blipFill>
+        <p:spPr>
+          <a:xfrm>
+            <a:off x="12770529" y="2634909"/>
+            <a:ext cx="4907825" cy="5529943"/>
+          </a:xfrm>
+          <a:prstGeom prst="rect">
+            <a:avLst/>
+          </a:prstGeom>
+        </p:spPr>
+      </p:pic>
+    </p:spTree>
+    <p:extLst>
+      <p:ext uri="{BB962C8B-B14F-4D97-AF65-F5344CB8AC3E}">
+        <p14:creationId xmlns:p14="http://schemas.microsoft.com/office/powerpoint/2010/main" val="543414909"/>
+      </p:ext>
+    </p:extLst>
+  </p:cSld>
+  <p:clrMapOvr>
+    <a:masterClrMapping/>
+  </p:clrMapOvr>
+</p:sld>
+</file>
+
+<file path=ppt/slides/slide34.xml><?xml version="1.0" encoding="utf-8"?>
+<p:sld xmlns:a="http://schemas.openxmlformats.org/drawingml/2006/main" xmlns:r="http://schemas.openxmlformats.org/officeDocument/2006/relationships" xmlns:p="http://schemas.openxmlformats.org/presentationml/2006/main">
+  <p:cSld>
+    <p:spTree>
+      <p:nvGrpSpPr>
+        <p:cNvPr id="1" name=""/>
+        <p:cNvGrpSpPr/>
+        <p:nvPr/>
+      </p:nvGrpSpPr>
+      <p:grpSpPr>
+        <a:xfrm>
+          <a:off x="0" y="0"/>
+          <a:ext cx="0" cy="0"/>
+          <a:chOff x="0" y="0"/>
+          <a:chExt cx="0" cy="0"/>
+        </a:xfrm>
+      </p:grpSpPr>
+      <p:sp>
+        <p:nvSpPr>
+          <p:cNvPr id="2" name="Title 1">
+            <a:extLst>
+              <a:ext uri="{FF2B5EF4-FFF2-40B4-BE49-F238E27FC236}">
+                <a16:creationId xmlns:a16="http://schemas.microsoft.com/office/drawing/2014/main" id="{52A0C128-0626-4AD6-A30B-11E8050475FA}"/>
+              </a:ext>
+            </a:extLst>
+          </p:cNvPr>
+          <p:cNvSpPr>
+            <a:spLocks noGrp="1"/>
+          </p:cNvSpPr>
+          <p:nvPr>
+            <p:ph type="title"/>
+          </p:nvPr>
+        </p:nvSpPr>
+        <p:spPr/>
+        <p:txBody>
+          <a:bodyPr/>
+          <a:lstStyle/>
+          <a:p>
+            <a:r>
+              <a:rPr lang="es-MX" dirty="0"/>
+              <a:t>Conclusión</a:t>
+            </a:r>
+            <a:br>
+              <a:rPr lang="es-MX" dirty="0"/>
+            </a:br>
+            <a:endParaRPr lang="en-US" dirty="0"/>
+          </a:p>
+        </p:txBody>
+      </p:sp>
+      <p:sp>
+        <p:nvSpPr>
+          <p:cNvPr id="3" name="Content Placeholder 2">
+            <a:extLst>
+              <a:ext uri="{FF2B5EF4-FFF2-40B4-BE49-F238E27FC236}">
+                <a16:creationId xmlns:a16="http://schemas.microsoft.com/office/drawing/2014/main" id="{1190D3B6-611B-4EBA-898C-84B7250BA186}"/>
+              </a:ext>
+            </a:extLst>
+          </p:cNvPr>
+          <p:cNvSpPr>
+            <a:spLocks noGrp="1"/>
+          </p:cNvSpPr>
+          <p:nvPr>
+            <p:ph idx="1"/>
+          </p:nvPr>
+        </p:nvSpPr>
+        <p:spPr/>
+        <p:txBody>
+          <a:bodyPr/>
+          <a:lstStyle/>
+          <a:p>
+            <a:r>
+              <a:rPr lang="es-MX" dirty="0"/>
+              <a:t>Esta sección nos costó trabajo ya que nos revolvimos a la hora de programar, tuvimos errores como entrar en ciclos infinitos, generar datos erróneos, no encontrar nodos y errores fatales que terminaban la aplicación.</a:t>
+            </a:r>
+          </a:p>
+          <a:p>
+            <a:r>
+              <a:rPr lang="es-MX" dirty="0"/>
+              <a:t>Usando prueba y error logramos resolver los problemas mencionados.</a:t>
+            </a:r>
+          </a:p>
+          <a:p>
+            <a:r>
+              <a:rPr lang="es-MX" dirty="0"/>
+              <a:t>Dijkstra puede ser tardado en ejecutarse, ya que a mayor cantidad de nodos, crece exponencialmente el tiempo </a:t>
+            </a:r>
+            <a:r>
+              <a:rPr lang="es-MX"/>
+              <a:t>de ejecución.</a:t>
+            </a:r>
+            <a:endParaRPr lang="en-US" dirty="0"/>
+          </a:p>
+        </p:txBody>
+      </p:sp>
+    </p:spTree>
+    <p:extLst>
+      <p:ext uri="{BB962C8B-B14F-4D97-AF65-F5344CB8AC3E}">
+        <p14:creationId xmlns:p14="http://schemas.microsoft.com/office/powerpoint/2010/main" val="3087027173"/>
       </p:ext>
     </p:extLst>
   </p:cSld>
